--- a/Talk 1 power conversion.pptx
+++ b/Talk 1 power conversion.pptx
@@ -6,14 +6,17 @@
   </p:sldMasterIdLst>
   <p:sldIdLst>
     <p:sldId id="256" r:id="rId2"/>
-    <p:sldId id="257" r:id="rId3"/>
-    <p:sldId id="258" r:id="rId4"/>
-    <p:sldId id="259" r:id="rId5"/>
-    <p:sldId id="260" r:id="rId6"/>
-    <p:sldId id="261" r:id="rId7"/>
-    <p:sldId id="262" r:id="rId8"/>
-    <p:sldId id="263" r:id="rId9"/>
-    <p:sldId id="264" r:id="rId10"/>
+    <p:sldId id="265" r:id="rId3"/>
+    <p:sldId id="257" r:id="rId4"/>
+    <p:sldId id="258" r:id="rId5"/>
+    <p:sldId id="259" r:id="rId6"/>
+    <p:sldId id="260" r:id="rId7"/>
+    <p:sldId id="261" r:id="rId8"/>
+    <p:sldId id="267" r:id="rId9"/>
+    <p:sldId id="262" r:id="rId10"/>
+    <p:sldId id="263" r:id="rId11"/>
+    <p:sldId id="264" r:id="rId12"/>
+    <p:sldId id="266" r:id="rId13"/>
   </p:sldIdLst>
   <p:sldSz cx="12192000" cy="6858000"/>
   <p:notesSz cx="6858000" cy="9144000"/>
@@ -112,6 +115,11 @@
       </a:defRPr>
     </a:lvl9pPr>
   </p:defaultTextStyle>
+  <p:extLst>
+    <p:ext uri="{EFAFB233-063F-42B5-8137-9DF3F51BA10A}">
+      <p15:sldGuideLst xmlns:p15="http://schemas.microsoft.com/office/powerpoint/2012/main"/>
+    </p:ext>
+  </p:extLst>
 </p:presentation>
 </file>
 
@@ -246,7 +254,7 @@
           <a:p>
             <a:fld id="{C1888B67-1C66-4A85-A505-9042D5EB5A5E}" type="datetimeFigureOut">
               <a:rPr lang="en-US" smtClean="0"/>
-              <a:t>10/28/2014</a:t>
+              <a:t>11/2/2014</a:t>
             </a:fld>
             <a:endParaRPr lang="en-US"/>
           </a:p>
@@ -416,7 +424,7 @@
           <a:p>
             <a:fld id="{C1888B67-1C66-4A85-A505-9042D5EB5A5E}" type="datetimeFigureOut">
               <a:rPr lang="en-US" smtClean="0"/>
-              <a:t>10/28/2014</a:t>
+              <a:t>11/2/2014</a:t>
             </a:fld>
             <a:endParaRPr lang="en-US"/>
           </a:p>
@@ -596,7 +604,7 @@
           <a:p>
             <a:fld id="{C1888B67-1C66-4A85-A505-9042D5EB5A5E}" type="datetimeFigureOut">
               <a:rPr lang="en-US" smtClean="0"/>
-              <a:t>10/28/2014</a:t>
+              <a:t>11/2/2014</a:t>
             </a:fld>
             <a:endParaRPr lang="en-US"/>
           </a:p>
@@ -766,7 +774,7 @@
           <a:p>
             <a:fld id="{C1888B67-1C66-4A85-A505-9042D5EB5A5E}" type="datetimeFigureOut">
               <a:rPr lang="en-US" smtClean="0"/>
-              <a:t>10/28/2014</a:t>
+              <a:t>11/2/2014</a:t>
             </a:fld>
             <a:endParaRPr lang="en-US"/>
           </a:p>
@@ -1012,7 +1020,7 @@
           <a:p>
             <a:fld id="{C1888B67-1C66-4A85-A505-9042D5EB5A5E}" type="datetimeFigureOut">
               <a:rPr lang="en-US" smtClean="0"/>
-              <a:t>10/28/2014</a:t>
+              <a:t>11/2/2014</a:t>
             </a:fld>
             <a:endParaRPr lang="en-US"/>
           </a:p>
@@ -1244,7 +1252,7 @@
           <a:p>
             <a:fld id="{C1888B67-1C66-4A85-A505-9042D5EB5A5E}" type="datetimeFigureOut">
               <a:rPr lang="en-US" smtClean="0"/>
-              <a:t>10/28/2014</a:t>
+              <a:t>11/2/2014</a:t>
             </a:fld>
             <a:endParaRPr lang="en-US"/>
           </a:p>
@@ -1611,7 +1619,7 @@
           <a:p>
             <a:fld id="{C1888B67-1C66-4A85-A505-9042D5EB5A5E}" type="datetimeFigureOut">
               <a:rPr lang="en-US" smtClean="0"/>
-              <a:t>10/28/2014</a:t>
+              <a:t>11/2/2014</a:t>
             </a:fld>
             <a:endParaRPr lang="en-US"/>
           </a:p>
@@ -1729,7 +1737,7 @@
           <a:p>
             <a:fld id="{C1888B67-1C66-4A85-A505-9042D5EB5A5E}" type="datetimeFigureOut">
               <a:rPr lang="en-US" smtClean="0"/>
-              <a:t>10/28/2014</a:t>
+              <a:t>11/2/2014</a:t>
             </a:fld>
             <a:endParaRPr lang="en-US"/>
           </a:p>
@@ -1824,7 +1832,7 @@
           <a:p>
             <a:fld id="{C1888B67-1C66-4A85-A505-9042D5EB5A5E}" type="datetimeFigureOut">
               <a:rPr lang="en-US" smtClean="0"/>
-              <a:t>10/28/2014</a:t>
+              <a:t>11/2/2014</a:t>
             </a:fld>
             <a:endParaRPr lang="en-US"/>
           </a:p>
@@ -2101,7 +2109,7 @@
           <a:p>
             <a:fld id="{C1888B67-1C66-4A85-A505-9042D5EB5A5E}" type="datetimeFigureOut">
               <a:rPr lang="en-US" smtClean="0"/>
-              <a:t>10/28/2014</a:t>
+              <a:t>11/2/2014</a:t>
             </a:fld>
             <a:endParaRPr lang="en-US"/>
           </a:p>
@@ -2354,7 +2362,7 @@
           <a:p>
             <a:fld id="{C1888B67-1C66-4A85-A505-9042D5EB5A5E}" type="datetimeFigureOut">
               <a:rPr lang="en-US" smtClean="0"/>
-              <a:t>10/28/2014</a:t>
+              <a:t>11/2/2014</a:t>
             </a:fld>
             <a:endParaRPr lang="en-US"/>
           </a:p>
@@ -2567,7 +2575,7 @@
           <a:p>
             <a:fld id="{C1888B67-1C66-4A85-A505-9042D5EB5A5E}" type="datetimeFigureOut">
               <a:rPr lang="en-US" smtClean="0"/>
-              <a:t>10/28/2014</a:t>
+              <a:t>11/2/2014</a:t>
             </a:fld>
             <a:endParaRPr lang="en-US"/>
           </a:p>
@@ -2989,7 +2997,7 @@
           <a:p>
             <a:r>
               <a:rPr lang="en-US" dirty="0" smtClean="0"/>
-              <a:t>Power conversion</a:t>
+              <a:t>Power Conversion</a:t>
             </a:r>
             <a:endParaRPr lang="en-US" dirty="0"/>
           </a:p>
@@ -3010,7 +3018,20 @@
           <a:bodyPr/>
           <a:lstStyle/>
           <a:p>
-            <a:endParaRPr lang="en-US"/>
+            <a:r>
+              <a:rPr lang="en-US" dirty="0" smtClean="0"/>
+              <a:t>EE 542 Fall 2014</a:t>
+            </a:r>
+          </a:p>
+          <a:p>
+            <a:endParaRPr lang="en-US" dirty="0"/>
+          </a:p>
+          <a:p>
+            <a:r>
+              <a:rPr lang="en-US" dirty="0" smtClean="0"/>
+              <a:t>Hoang Pham, Peter Odell</a:t>
+            </a:r>
+            <a:endParaRPr lang="en-US" dirty="0"/>
           </a:p>
         </p:txBody>
       </p:sp>
@@ -3018,6 +3039,325 @@
     <p:extLst>
       <p:ext uri="{BB962C8B-B14F-4D97-AF65-F5344CB8AC3E}">
         <p14:creationId xmlns:p14="http://schemas.microsoft.com/office/powerpoint/2010/main" val="2709969922"/>
+      </p:ext>
+    </p:extLst>
+  </p:cSld>
+  <p:clrMapOvr>
+    <a:masterClrMapping/>
+  </p:clrMapOvr>
+</p:sld>
+</file>
+
+<file path=ppt/slides/slide10.xml><?xml version="1.0" encoding="utf-8"?>
+<p:sld xmlns:a="http://schemas.openxmlformats.org/drawingml/2006/main" xmlns:r="http://schemas.openxmlformats.org/officeDocument/2006/relationships" xmlns:p="http://schemas.openxmlformats.org/presentationml/2006/main">
+  <p:cSld>
+    <p:spTree>
+      <p:nvGrpSpPr>
+        <p:cNvPr id="1" name=""/>
+        <p:cNvGrpSpPr/>
+        <p:nvPr/>
+      </p:nvGrpSpPr>
+      <p:grpSpPr>
+        <a:xfrm>
+          <a:off x="0" y="0"/>
+          <a:ext cx="0" cy="0"/>
+          <a:chOff x="0" y="0"/>
+          <a:chExt cx="0" cy="0"/>
+        </a:xfrm>
+      </p:grpSpPr>
+      <p:sp>
+        <p:nvSpPr>
+          <p:cNvPr id="2" name="Title 1"/>
+          <p:cNvSpPr>
+            <a:spLocks noGrp="1"/>
+          </p:cNvSpPr>
+          <p:nvPr>
+            <p:ph type="title"/>
+          </p:nvPr>
+        </p:nvSpPr>
+        <p:spPr/>
+        <p:txBody>
+          <a:bodyPr/>
+          <a:lstStyle/>
+          <a:p>
+            <a:r>
+              <a:rPr lang="en-US" dirty="0" smtClean="0"/>
+              <a:t>Basic Digital PWM</a:t>
+            </a:r>
+            <a:endParaRPr lang="en-US" dirty="0"/>
+          </a:p>
+        </p:txBody>
+      </p:sp>
+      <p:sp>
+        <p:nvSpPr>
+          <p:cNvPr id="3" name="Content Placeholder 2"/>
+          <p:cNvSpPr>
+            <a:spLocks noGrp="1"/>
+          </p:cNvSpPr>
+          <p:nvPr>
+            <p:ph idx="1"/>
+          </p:nvPr>
+        </p:nvSpPr>
+        <p:spPr>
+          <a:xfrm>
+            <a:off x="838200" y="1825625"/>
+            <a:ext cx="6788977" cy="4351338"/>
+          </a:xfrm>
+        </p:spPr>
+        <p:txBody>
+          <a:bodyPr/>
+          <a:lstStyle/>
+          <a:p>
+            <a:r>
+              <a:rPr lang="en-US" dirty="0" smtClean="0"/>
+              <a:t>PWM ICs are very popular in many designs</a:t>
+            </a:r>
+          </a:p>
+          <a:p>
+            <a:r>
+              <a:rPr lang="en-US" dirty="0" smtClean="0"/>
+              <a:t>Low cost and easy to implement </a:t>
+            </a:r>
+          </a:p>
+          <a:p>
+            <a:r>
+              <a:rPr lang="en-US" dirty="0" smtClean="0"/>
+              <a:t>Vary the values of resistors and capacitors to change up the functionality</a:t>
+            </a:r>
+          </a:p>
+          <a:p>
+            <a:r>
+              <a:rPr lang="en-US" dirty="0" smtClean="0"/>
+              <a:t>Can have many functions in a relatively small package</a:t>
+            </a:r>
+            <a:endParaRPr lang="en-US" dirty="0"/>
+          </a:p>
+        </p:txBody>
+      </p:sp>
+      <p:pic>
+        <p:nvPicPr>
+          <p:cNvPr id="4" name="Picture 3"/>
+          <p:cNvPicPr>
+            <a:picLocks noChangeAspect="1"/>
+          </p:cNvPicPr>
+          <p:nvPr/>
+        </p:nvPicPr>
+        <p:blipFill>
+          <a:blip r:embed="rId2"/>
+          <a:stretch>
+            <a:fillRect/>
+          </a:stretch>
+        </p:blipFill>
+        <p:spPr>
+          <a:xfrm>
+            <a:off x="7627177" y="365125"/>
+            <a:ext cx="4151626" cy="5803694"/>
+          </a:xfrm>
+          <a:prstGeom prst="rect">
+            <a:avLst/>
+          </a:prstGeom>
+        </p:spPr>
+      </p:pic>
+    </p:spTree>
+    <p:extLst>
+      <p:ext uri="{BB962C8B-B14F-4D97-AF65-F5344CB8AC3E}">
+        <p14:creationId xmlns:p14="http://schemas.microsoft.com/office/powerpoint/2010/main" val="821870179"/>
+      </p:ext>
+    </p:extLst>
+  </p:cSld>
+  <p:clrMapOvr>
+    <a:masterClrMapping/>
+  </p:clrMapOvr>
+</p:sld>
+</file>
+
+<file path=ppt/slides/slide11.xml><?xml version="1.0" encoding="utf-8"?>
+<p:sld xmlns:a="http://schemas.openxmlformats.org/drawingml/2006/main" xmlns:r="http://schemas.openxmlformats.org/officeDocument/2006/relationships" xmlns:p="http://schemas.openxmlformats.org/presentationml/2006/main">
+  <p:cSld>
+    <p:spTree>
+      <p:nvGrpSpPr>
+        <p:cNvPr id="1" name=""/>
+        <p:cNvGrpSpPr/>
+        <p:nvPr/>
+      </p:nvGrpSpPr>
+      <p:grpSpPr>
+        <a:xfrm>
+          <a:off x="0" y="0"/>
+          <a:ext cx="0" cy="0"/>
+          <a:chOff x="0" y="0"/>
+          <a:chExt cx="0" cy="0"/>
+        </a:xfrm>
+      </p:grpSpPr>
+      <p:sp>
+        <p:nvSpPr>
+          <p:cNvPr id="2" name="Title 1"/>
+          <p:cNvSpPr>
+            <a:spLocks noGrp="1"/>
+          </p:cNvSpPr>
+          <p:nvPr>
+            <p:ph type="title"/>
+          </p:nvPr>
+        </p:nvSpPr>
+        <p:spPr/>
+        <p:txBody>
+          <a:bodyPr/>
+          <a:lstStyle/>
+          <a:p>
+            <a:r>
+              <a:rPr lang="en-US" dirty="0" smtClean="0"/>
+              <a:t>More advanced digital PWM</a:t>
+            </a:r>
+            <a:endParaRPr lang="en-US" dirty="0"/>
+          </a:p>
+        </p:txBody>
+      </p:sp>
+      <p:sp>
+        <p:nvSpPr>
+          <p:cNvPr id="3" name="Content Placeholder 2"/>
+          <p:cNvSpPr>
+            <a:spLocks noGrp="1"/>
+          </p:cNvSpPr>
+          <p:nvPr>
+            <p:ph idx="1"/>
+          </p:nvPr>
+        </p:nvSpPr>
+        <p:spPr/>
+        <p:txBody>
+          <a:bodyPr/>
+          <a:lstStyle/>
+          <a:p>
+            <a:endParaRPr lang="en-US" dirty="0"/>
+          </a:p>
+        </p:txBody>
+      </p:sp>
+    </p:spTree>
+    <p:extLst>
+      <p:ext uri="{BB962C8B-B14F-4D97-AF65-F5344CB8AC3E}">
+        <p14:creationId xmlns:p14="http://schemas.microsoft.com/office/powerpoint/2010/main" val="547648208"/>
+      </p:ext>
+    </p:extLst>
+  </p:cSld>
+  <p:clrMapOvr>
+    <a:masterClrMapping/>
+  </p:clrMapOvr>
+</p:sld>
+</file>
+
+<file path=ppt/slides/slide12.xml><?xml version="1.0" encoding="utf-8"?>
+<p:sld xmlns:a="http://schemas.openxmlformats.org/drawingml/2006/main" xmlns:r="http://schemas.openxmlformats.org/officeDocument/2006/relationships" xmlns:p="http://schemas.openxmlformats.org/presentationml/2006/main">
+  <p:cSld>
+    <p:spTree>
+      <p:nvGrpSpPr>
+        <p:cNvPr id="1" name=""/>
+        <p:cNvGrpSpPr/>
+        <p:nvPr/>
+      </p:nvGrpSpPr>
+      <p:grpSpPr>
+        <a:xfrm>
+          <a:off x="0" y="0"/>
+          <a:ext cx="0" cy="0"/>
+          <a:chOff x="0" y="0"/>
+          <a:chExt cx="0" cy="0"/>
+        </a:xfrm>
+      </p:grpSpPr>
+      <p:sp>
+        <p:nvSpPr>
+          <p:cNvPr id="2" name="Title 1"/>
+          <p:cNvSpPr>
+            <a:spLocks noGrp="1"/>
+          </p:cNvSpPr>
+          <p:nvPr>
+            <p:ph type="title"/>
+          </p:nvPr>
+        </p:nvSpPr>
+        <p:spPr/>
+        <p:txBody>
+          <a:bodyPr/>
+          <a:lstStyle/>
+          <a:p>
+            <a:r>
+              <a:rPr lang="en-US" dirty="0" smtClean="0"/>
+              <a:t>Works Cited</a:t>
+            </a:r>
+            <a:endParaRPr lang="en-US" dirty="0"/>
+          </a:p>
+        </p:txBody>
+      </p:sp>
+      <p:sp>
+        <p:nvSpPr>
+          <p:cNvPr id="3" name="Content Placeholder 2"/>
+          <p:cNvSpPr>
+            <a:spLocks noGrp="1"/>
+          </p:cNvSpPr>
+          <p:nvPr>
+            <p:ph idx="1"/>
+          </p:nvPr>
+        </p:nvSpPr>
+        <p:spPr/>
+        <p:txBody>
+          <a:bodyPr>
+            <a:normAutofit/>
+          </a:bodyPr>
+          <a:lstStyle/>
+          <a:p>
+            <a:r>
+              <a:rPr lang="en-US" sz="1600" dirty="0" err="1"/>
+              <a:t>Kugelstadt</a:t>
+            </a:r>
+            <a:r>
+              <a:rPr lang="en-US" sz="1600" dirty="0"/>
+              <a:t>, Thomas. "Signal Chain Basics #76: Design a Low-Cost PWM Circuit for Single IGBT-Drive Applications." </a:t>
+            </a:r>
+            <a:r>
+              <a:rPr lang="en-US" sz="1600" i="1" dirty="0"/>
+              <a:t>Planet Analog</a:t>
+            </a:r>
+            <a:r>
+              <a:rPr lang="en-US" sz="1600" dirty="0"/>
+              <a:t>. </a:t>
+            </a:r>
+            <a:r>
+              <a:rPr lang="en-US" sz="1600" dirty="0" err="1"/>
+              <a:t>N.p</a:t>
+            </a:r>
+            <a:r>
+              <a:rPr lang="en-US" sz="1600" dirty="0"/>
+              <a:t>., 17 Apr. 2013. Web. 02 Nov. 2014</a:t>
+            </a:r>
+            <a:r>
+              <a:rPr lang="en-US" sz="1600" dirty="0" smtClean="0"/>
+              <a:t>.</a:t>
+            </a:r>
+          </a:p>
+          <a:p>
+            <a:r>
+              <a:rPr lang="en-US" sz="1600" dirty="0"/>
+              <a:t>"What Is a Pulse Width Modulation (PWM) Signal and What Is It Used For?" </a:t>
+            </a:r>
+            <a:r>
+              <a:rPr lang="en-US" sz="1600" i="1" dirty="0"/>
+              <a:t>National Instruments</a:t>
+            </a:r>
+            <a:r>
+              <a:rPr lang="en-US" sz="1600" dirty="0"/>
+              <a:t>. </a:t>
+            </a:r>
+            <a:r>
+              <a:rPr lang="en-US" sz="1600" dirty="0" err="1"/>
+              <a:t>N.p</a:t>
+            </a:r>
+            <a:r>
+              <a:rPr lang="en-US" sz="1600" dirty="0"/>
+              <a:t>., 31 Jan. 2014. Web. 02 Nov. 2014.</a:t>
+            </a:r>
+            <a:endParaRPr lang="en-US" sz="1600" dirty="0"/>
+          </a:p>
+        </p:txBody>
+      </p:sp>
+    </p:spTree>
+    <p:extLst>
+      <p:ext uri="{BB962C8B-B14F-4D97-AF65-F5344CB8AC3E}">
+        <p14:creationId xmlns:p14="http://schemas.microsoft.com/office/powerpoint/2010/main" val="3042041809"/>
       </p:ext>
     </p:extLst>
   </p:cSld>
@@ -3059,6 +3399,92 @@
           <a:bodyPr/>
           <a:lstStyle/>
           <a:p>
+            <a:endParaRPr lang="en-US"/>
+          </a:p>
+        </p:txBody>
+      </p:sp>
+      <p:sp>
+        <p:nvSpPr>
+          <p:cNvPr id="3" name="Content Placeholder 2"/>
+          <p:cNvSpPr>
+            <a:spLocks noGrp="1"/>
+          </p:cNvSpPr>
+          <p:nvPr>
+            <p:ph idx="1"/>
+          </p:nvPr>
+        </p:nvSpPr>
+        <p:spPr/>
+        <p:txBody>
+          <a:bodyPr/>
+          <a:lstStyle/>
+          <a:p>
+            <a:r>
+              <a:rPr lang="en-US" dirty="0" smtClean="0"/>
+              <a:t>Concept of PWM (in digital audio, quad copter) after digital PWM slide</a:t>
+            </a:r>
+          </a:p>
+          <a:p>
+            <a:r>
+              <a:rPr lang="en-US" dirty="0" smtClean="0"/>
+              <a:t>What’s power conversion -&gt; what it takes to control it -&gt; what’s in digital control -&gt; what’s in analog and why it sucks -&gt; why digital is awesome -&gt; advanced digital -&gt; </a:t>
+            </a:r>
+          </a:p>
+          <a:p>
+            <a:endParaRPr lang="en-US" dirty="0" smtClean="0"/>
+          </a:p>
+          <a:p>
+            <a:endParaRPr lang="en-US" dirty="0" smtClean="0"/>
+          </a:p>
+          <a:p>
+            <a:endParaRPr lang="en-US" dirty="0" smtClean="0"/>
+          </a:p>
+        </p:txBody>
+      </p:sp>
+    </p:spTree>
+    <p:extLst>
+      <p:ext uri="{BB962C8B-B14F-4D97-AF65-F5344CB8AC3E}">
+        <p14:creationId xmlns:p14="http://schemas.microsoft.com/office/powerpoint/2010/main" val="1108195992"/>
+      </p:ext>
+    </p:extLst>
+  </p:cSld>
+  <p:clrMapOvr>
+    <a:masterClrMapping/>
+  </p:clrMapOvr>
+</p:sld>
+</file>
+
+<file path=ppt/slides/slide3.xml><?xml version="1.0" encoding="utf-8"?>
+<p:sld xmlns:a="http://schemas.openxmlformats.org/drawingml/2006/main" xmlns:r="http://schemas.openxmlformats.org/officeDocument/2006/relationships" xmlns:p="http://schemas.openxmlformats.org/presentationml/2006/main">
+  <p:cSld>
+    <p:spTree>
+      <p:nvGrpSpPr>
+        <p:cNvPr id="1" name=""/>
+        <p:cNvGrpSpPr/>
+        <p:nvPr/>
+      </p:nvGrpSpPr>
+      <p:grpSpPr>
+        <a:xfrm>
+          <a:off x="0" y="0"/>
+          <a:ext cx="0" cy="0"/>
+          <a:chOff x="0" y="0"/>
+          <a:chExt cx="0" cy="0"/>
+        </a:xfrm>
+      </p:grpSpPr>
+      <p:sp>
+        <p:nvSpPr>
+          <p:cNvPr id="2" name="Title 1"/>
+          <p:cNvSpPr>
+            <a:spLocks noGrp="1"/>
+          </p:cNvSpPr>
+          <p:nvPr>
+            <p:ph type="title"/>
+          </p:nvPr>
+        </p:nvSpPr>
+        <p:spPr/>
+        <p:txBody>
+          <a:bodyPr/>
+          <a:lstStyle/>
+          <a:p>
             <a:r>
               <a:rPr lang="en-US" dirty="0" smtClean="0"/>
               <a:t>Power transmission likes AC high voltage</a:t>
@@ -3067,8 +3493,8 @@
           </a:p>
         </p:txBody>
       </p:sp>
-      <mc:AlternateContent xmlns:mc="http://schemas.openxmlformats.org/markup-compatibility/2006">
-        <mc:Choice xmlns:a14="http://schemas.microsoft.com/office/drawing/2010/main" Requires="a14">
+      <mc:AlternateContent xmlns:mc="http://schemas.openxmlformats.org/markup-compatibility/2006" xmlns:a14="http://schemas.microsoft.com/office/drawing/2010/main">
+        <mc:Choice Requires="a14">
           <p:sp>
             <p:nvSpPr>
               <p:cNvPr id="3" name="Content Placeholder 2"/>
@@ -3408,7 +3834,7 @@
             </p:txBody>
           </p:sp>
         </mc:Choice>
-        <mc:Fallback>
+        <mc:Fallback xmlns="">
           <p:sp>
             <p:nvSpPr>
               <p:cNvPr id="3" name="Content Placeholder 2"/>
@@ -3455,7 +3881,7 @@
 </p:sld>
 </file>
 
-<file path=ppt/slides/slide3.xml><?xml version="1.0" encoding="utf-8"?>
+<file path=ppt/slides/slide4.xml><?xml version="1.0" encoding="utf-8"?>
 <p:sld xmlns:a="http://schemas.openxmlformats.org/drawingml/2006/main" xmlns:r="http://schemas.openxmlformats.org/officeDocument/2006/relationships" xmlns:p="http://schemas.openxmlformats.org/presentationml/2006/main">
   <p:cSld>
     <p:spTree>
@@ -3495,8 +3921,8 @@
           </a:p>
         </p:txBody>
       </p:sp>
-      <mc:AlternateContent xmlns:mc="http://schemas.openxmlformats.org/markup-compatibility/2006">
-        <mc:Choice xmlns:a14="http://schemas.microsoft.com/office/drawing/2010/main" Requires="a14">
+      <mc:AlternateContent xmlns:mc="http://schemas.openxmlformats.org/markup-compatibility/2006" xmlns:a14="http://schemas.microsoft.com/office/drawing/2010/main">
+        <mc:Choice Requires="a14">
           <p:sp>
             <p:nvSpPr>
               <p:cNvPr id="3" name="Content Placeholder 2"/>
@@ -3521,7 +3947,7 @@
                 <a:pPr lvl="1"/>
                 <a:r>
                   <a:rPr lang="en-US" dirty="0" smtClean="0"/>
-                  <a:t>Data Centers</a:t>
+                  <a:t>Data centers</a:t>
                 </a:r>
               </a:p>
               <a:p>
@@ -3671,7 +4097,7 @@
             </p:txBody>
           </p:sp>
         </mc:Choice>
-        <mc:Fallback>
+        <mc:Fallback xmlns="">
           <p:sp>
             <p:nvSpPr>
               <p:cNvPr id="3" name="Content Placeholder 2"/>
@@ -3718,7 +4144,7 @@
 </p:sld>
 </file>
 
-<file path=ppt/slides/slide4.xml><?xml version="1.0" encoding="utf-8"?>
+<file path=ppt/slides/slide5.xml><?xml version="1.0" encoding="utf-8"?>
 <p:sld xmlns:a="http://schemas.openxmlformats.org/drawingml/2006/main" xmlns:r="http://schemas.openxmlformats.org/officeDocument/2006/relationships" xmlns:p="http://schemas.openxmlformats.org/presentationml/2006/main">
   <p:cSld>
     <p:spTree>
@@ -3921,7 +4347,7 @@
 </p:sld>
 </file>
 
-<file path=ppt/slides/slide5.xml><?xml version="1.0" encoding="utf-8"?>
+<file path=ppt/slides/slide6.xml><?xml version="1.0" encoding="utf-8"?>
 <p:sld xmlns:a="http://schemas.openxmlformats.org/drawingml/2006/main" xmlns:r="http://schemas.openxmlformats.org/officeDocument/2006/relationships" xmlns:p="http://schemas.openxmlformats.org/presentationml/2006/main">
   <p:cSld>
     <p:spTree>
@@ -4140,136 +4566,6 @@
 </p:sld>
 </file>
 
-<file path=ppt/slides/slide6.xml><?xml version="1.0" encoding="utf-8"?>
-<p:sld xmlns:a="http://schemas.openxmlformats.org/drawingml/2006/main" xmlns:r="http://schemas.openxmlformats.org/officeDocument/2006/relationships" xmlns:p="http://schemas.openxmlformats.org/presentationml/2006/main">
-  <p:cSld>
-    <p:spTree>
-      <p:nvGrpSpPr>
-        <p:cNvPr id="1" name=""/>
-        <p:cNvGrpSpPr/>
-        <p:nvPr/>
-      </p:nvGrpSpPr>
-      <p:grpSpPr>
-        <a:xfrm>
-          <a:off x="0" y="0"/>
-          <a:ext cx="0" cy="0"/>
-          <a:chOff x="0" y="0"/>
-          <a:chExt cx="0" cy="0"/>
-        </a:xfrm>
-      </p:grpSpPr>
-      <p:sp>
-        <p:nvSpPr>
-          <p:cNvPr id="2" name="Title 1"/>
-          <p:cNvSpPr>
-            <a:spLocks noGrp="1"/>
-          </p:cNvSpPr>
-          <p:nvPr>
-            <p:ph type="title"/>
-          </p:nvPr>
-        </p:nvSpPr>
-        <p:spPr/>
-        <p:txBody>
-          <a:bodyPr/>
-          <a:lstStyle/>
-          <a:p>
-            <a:r>
-              <a:rPr lang="en-US" dirty="0" smtClean="0"/>
-              <a:t>Analog to Digital control</a:t>
-            </a:r>
-            <a:endParaRPr lang="en-US" dirty="0"/>
-          </a:p>
-        </p:txBody>
-      </p:sp>
-      <p:sp>
-        <p:nvSpPr>
-          <p:cNvPr id="3" name="Content Placeholder 2"/>
-          <p:cNvSpPr>
-            <a:spLocks noGrp="1"/>
-          </p:cNvSpPr>
-          <p:nvPr>
-            <p:ph idx="1"/>
-          </p:nvPr>
-        </p:nvSpPr>
-        <p:spPr/>
-        <p:txBody>
-          <a:bodyPr/>
-          <a:lstStyle/>
-          <a:p>
-            <a:r>
-              <a:rPr lang="en-US" dirty="0" smtClean="0"/>
-              <a:t>Traditionally control are done via analog methods</a:t>
-            </a:r>
-          </a:p>
-          <a:p>
-            <a:r>
-              <a:rPr lang="en-US" dirty="0" smtClean="0"/>
-              <a:t>Digital control pros</a:t>
-            </a:r>
-          </a:p>
-          <a:p>
-            <a:pPr lvl="1"/>
-            <a:r>
-              <a:rPr lang="en-US" dirty="0" smtClean="0"/>
-              <a:t>Cheaper</a:t>
-            </a:r>
-          </a:p>
-          <a:p>
-            <a:pPr lvl="1"/>
-            <a:r>
-              <a:rPr lang="en-US" dirty="0" smtClean="0"/>
-              <a:t>More Flexible</a:t>
-            </a:r>
-          </a:p>
-          <a:p>
-            <a:pPr lvl="1"/>
-            <a:r>
-              <a:rPr lang="en-US" dirty="0" smtClean="0"/>
-              <a:t>More efficient</a:t>
-            </a:r>
-          </a:p>
-          <a:p>
-            <a:r>
-              <a:rPr lang="en-US" dirty="0" smtClean="0"/>
-              <a:t>Challenges in digital control</a:t>
-            </a:r>
-          </a:p>
-          <a:p>
-            <a:pPr lvl="1"/>
-            <a:r>
-              <a:rPr lang="en-US" dirty="0" smtClean="0"/>
-              <a:t>High speed PWM</a:t>
-            </a:r>
-          </a:p>
-          <a:p>
-            <a:pPr lvl="1"/>
-            <a:r>
-              <a:rPr lang="en-US" dirty="0" smtClean="0"/>
-              <a:t>Discrete mathematics</a:t>
-            </a:r>
-          </a:p>
-          <a:p>
-            <a:pPr lvl="1"/>
-            <a:r>
-              <a:rPr lang="en-US" dirty="0" smtClean="0"/>
-              <a:t>Quantization error</a:t>
-            </a:r>
-            <a:endParaRPr lang="en-US" dirty="0"/>
-          </a:p>
-        </p:txBody>
-      </p:sp>
-    </p:spTree>
-    <p:extLst>
-      <p:ext uri="{BB962C8B-B14F-4D97-AF65-F5344CB8AC3E}">
-        <p14:creationId xmlns:p14="http://schemas.microsoft.com/office/powerpoint/2010/main" val="4149863836"/>
-      </p:ext>
-    </p:extLst>
-  </p:cSld>
-  <p:clrMapOvr>
-    <a:masterClrMapping/>
-  </p:clrMapOvr>
-</p:sld>
-</file>
-
 <file path=ppt/slides/slide7.xml><?xml version="1.0" encoding="utf-8"?>
 <p:sld xmlns:a="http://schemas.openxmlformats.org/drawingml/2006/main" xmlns:r="http://schemas.openxmlformats.org/officeDocument/2006/relationships" xmlns:p="http://schemas.openxmlformats.org/presentationml/2006/main">
   <p:cSld>
@@ -4304,7 +4600,7 @@
           <a:p>
             <a:r>
               <a:rPr lang="en-US" dirty="0" smtClean="0"/>
-              <a:t>Analog PWM</a:t>
+              <a:t>Analog to Digital control</a:t>
             </a:r>
             <a:endParaRPr lang="en-US" dirty="0"/>
           </a:p>
@@ -4325,14 +4621,79 @@
           <a:bodyPr/>
           <a:lstStyle/>
           <a:p>
-            <a:endParaRPr lang="en-US"/>
+            <a:r>
+              <a:rPr lang="en-US" dirty="0" smtClean="0"/>
+              <a:t>Traditionally control are done via analog methods</a:t>
+            </a:r>
+          </a:p>
+          <a:p>
+            <a:r>
+              <a:rPr lang="en-US" dirty="0" smtClean="0"/>
+              <a:t>Digital control pros</a:t>
+            </a:r>
+          </a:p>
+          <a:p>
+            <a:pPr lvl="1"/>
+            <a:r>
+              <a:rPr lang="en-US" dirty="0" smtClean="0"/>
+              <a:t>Cheaper</a:t>
+            </a:r>
+          </a:p>
+          <a:p>
+            <a:pPr lvl="1"/>
+            <a:r>
+              <a:rPr lang="en-US" dirty="0" smtClean="0"/>
+              <a:t>More Flexible</a:t>
+            </a:r>
+          </a:p>
+          <a:p>
+            <a:pPr lvl="1"/>
+            <a:r>
+              <a:rPr lang="en-US" dirty="0" smtClean="0"/>
+              <a:t>More efficient</a:t>
+            </a:r>
+          </a:p>
+          <a:p>
+            <a:pPr lvl="1"/>
+            <a:r>
+              <a:rPr lang="en-US" dirty="0" smtClean="0"/>
+              <a:t>More immune to environmental changes</a:t>
+            </a:r>
+          </a:p>
+          <a:p>
+            <a:r>
+              <a:rPr lang="en-US" dirty="0" smtClean="0"/>
+              <a:t>Challenges in digital control</a:t>
+            </a:r>
+          </a:p>
+          <a:p>
+            <a:pPr lvl="1"/>
+            <a:r>
+              <a:rPr lang="en-US" dirty="0" smtClean="0"/>
+              <a:t>High speed PWM</a:t>
+            </a:r>
+          </a:p>
+          <a:p>
+            <a:pPr lvl="1"/>
+            <a:r>
+              <a:rPr lang="en-US" dirty="0" smtClean="0"/>
+              <a:t>Discrete mathematics</a:t>
+            </a:r>
+          </a:p>
+          <a:p>
+            <a:pPr lvl="1"/>
+            <a:r>
+              <a:rPr lang="en-US" dirty="0" smtClean="0"/>
+              <a:t>Quantization error</a:t>
+            </a:r>
+            <a:endParaRPr lang="en-US" dirty="0"/>
           </a:p>
         </p:txBody>
       </p:sp>
     </p:spTree>
     <p:extLst>
       <p:ext uri="{BB962C8B-B14F-4D97-AF65-F5344CB8AC3E}">
-        <p14:creationId xmlns:p14="http://schemas.microsoft.com/office/powerpoint/2010/main" val="3421970456"/>
+        <p14:creationId xmlns:p14="http://schemas.microsoft.com/office/powerpoint/2010/main" val="4149863836"/>
       </p:ext>
     </p:extLst>
   </p:cSld>
@@ -4376,7 +4737,7 @@
           <a:p>
             <a:r>
               <a:rPr lang="en-US" dirty="0" smtClean="0"/>
-              <a:t>Basic Digital PWM</a:t>
+              <a:t>Pulse Width Modulator (PWM)</a:t>
             </a:r>
             <a:endParaRPr lang="en-US" dirty="0"/>
           </a:p>
@@ -4397,14 +4758,100 @@
           <a:bodyPr/>
           <a:lstStyle/>
           <a:p>
-            <a:endParaRPr lang="en-US"/>
-          </a:p>
-        </p:txBody>
-      </p:sp>
+            <a:r>
+              <a:rPr lang="en-US" dirty="0" smtClean="0"/>
+              <a:t>PWM </a:t>
+            </a:r>
+            <a:r>
+              <a:rPr lang="en-US" dirty="0" smtClean="0"/>
+              <a:t>is an integral part in many control </a:t>
+            </a:r>
+            <a:r>
+              <a:rPr lang="en-US" dirty="0" smtClean="0"/>
+              <a:t>schemes</a:t>
+            </a:r>
+          </a:p>
+          <a:p>
+            <a:r>
+              <a:rPr lang="en-US" dirty="0" smtClean="0"/>
+              <a:t>Used for controlling DC motors, </a:t>
+            </a:r>
+            <a:br>
+              <a:rPr lang="en-US" dirty="0" smtClean="0"/>
+            </a:br>
+            <a:r>
+              <a:rPr lang="en-US" dirty="0" smtClean="0"/>
+              <a:t>hydraulics, heating elements, and</a:t>
+            </a:r>
+            <a:br>
+              <a:rPr lang="en-US" dirty="0" smtClean="0"/>
+            </a:br>
+            <a:r>
+              <a:rPr lang="en-US" dirty="0" smtClean="0"/>
+              <a:t>other mechanical components</a:t>
+            </a:r>
+          </a:p>
+          <a:p>
+            <a:r>
+              <a:rPr lang="en-US" dirty="0" smtClean="0"/>
+              <a:t>Duty cycle refers to the percentage</a:t>
+            </a:r>
+            <a:br>
+              <a:rPr lang="en-US" dirty="0" smtClean="0"/>
+            </a:br>
+            <a:r>
+              <a:rPr lang="en-US" dirty="0" smtClean="0"/>
+              <a:t>of on time during one cycle</a:t>
+            </a:r>
+            <a:endParaRPr lang="en-US" dirty="0" smtClean="0"/>
+          </a:p>
+        </p:txBody>
+      </p:sp>
+      <p:pic>
+        <p:nvPicPr>
+          <p:cNvPr id="1026" name="Picture 2" descr="http://digital.ni.com/public.nsf/$CXIV/ATTACH-AEEE-9FMND4/$FILE/PWM%20Graph%203%20Modified.png"/>
+          <p:cNvPicPr>
+            <a:picLocks noChangeAspect="1" noChangeArrowheads="1"/>
+          </p:cNvPicPr>
+          <p:nvPr/>
+        </p:nvPicPr>
+        <p:blipFill>
+          <a:blip r:embed="rId2">
+            <a:extLst>
+              <a:ext uri="{28A0092B-C50C-407E-A947-70E740481C1C}">
+                <a14:useLocalDpi xmlns:a14="http://schemas.microsoft.com/office/drawing/2010/main" val="0"/>
+              </a:ext>
+            </a:extLst>
+          </a:blip>
+          <a:srcRect/>
+          <a:stretch>
+            <a:fillRect/>
+          </a:stretch>
+        </p:blipFill>
+        <p:spPr bwMode="auto">
+          <a:xfrm>
+            <a:off x="6377940" y="2286000"/>
+            <a:ext cx="5764642" cy="3890963"/>
+          </a:xfrm>
+          <a:prstGeom prst="rect">
+            <a:avLst/>
+          </a:prstGeom>
+          <a:noFill/>
+          <a:extLst>
+            <a:ext uri="{909E8E84-426E-40DD-AFC4-6F175D3DCCD1}">
+              <a14:hiddenFill xmlns:a14="http://schemas.microsoft.com/office/drawing/2010/main">
+                <a:solidFill>
+                  <a:srgbClr val="FFFFFF"/>
+                </a:solidFill>
+              </a14:hiddenFill>
+            </a:ext>
+          </a:extLst>
+        </p:spPr>
+      </p:pic>
     </p:spTree>
     <p:extLst>
       <p:ext uri="{BB962C8B-B14F-4D97-AF65-F5344CB8AC3E}">
-        <p14:creationId xmlns:p14="http://schemas.microsoft.com/office/powerpoint/2010/main" val="821870179"/>
+        <p14:creationId xmlns:p14="http://schemas.microsoft.com/office/powerpoint/2010/main" val="1878160071"/>
       </p:ext>
     </p:extLst>
   </p:cSld>
@@ -4448,7 +4895,11 @@
           <a:p>
             <a:r>
               <a:rPr lang="en-US" dirty="0" smtClean="0"/>
-              <a:t>More advanced digital PWM</a:t>
+              <a:t>Analog </a:t>
+            </a:r>
+            <a:r>
+              <a:rPr lang="en-US" dirty="0" smtClean="0"/>
+              <a:t>PWM</a:t>
             </a:r>
             <a:endParaRPr lang="en-US" dirty="0"/>
           </a:p>
@@ -4464,19 +4915,122 @@
             <p:ph idx="1"/>
           </p:nvPr>
         </p:nvSpPr>
-        <p:spPr/>
-        <p:txBody>
-          <a:bodyPr/>
-          <a:lstStyle/>
-          <a:p>
-            <a:endParaRPr lang="en-US"/>
-          </a:p>
-        </p:txBody>
-      </p:sp>
+        <p:spPr>
+          <a:xfrm>
+            <a:off x="838200" y="1825625"/>
+            <a:ext cx="6285362" cy="4351338"/>
+          </a:xfrm>
+        </p:spPr>
+        <p:txBody>
+          <a:bodyPr/>
+          <a:lstStyle/>
+          <a:p>
+            <a:r>
+              <a:rPr lang="en-US" dirty="0" smtClean="0"/>
+              <a:t>Comparator is used to produce the square wave by using a triangle wave generator and a DC signal</a:t>
+            </a:r>
+          </a:p>
+          <a:p>
+            <a:r>
+              <a:rPr lang="en-US" dirty="0" smtClean="0"/>
+              <a:t>Duty cycle determined by the DC signal voltage</a:t>
+            </a:r>
+          </a:p>
+          <a:p>
+            <a:r>
+              <a:rPr lang="en-US" dirty="0" smtClean="0"/>
+              <a:t>High component count – more board space</a:t>
+            </a:r>
+          </a:p>
+          <a:p>
+            <a:endParaRPr lang="en-US" dirty="0"/>
+          </a:p>
+        </p:txBody>
+      </p:sp>
+      <p:pic>
+        <p:nvPicPr>
+          <p:cNvPr id="1026" name="Picture 2" descr="Simple PWM design using a quad op-amp and a few passive components."/>
+          <p:cNvPicPr>
+            <a:picLocks noChangeAspect="1" noChangeArrowheads="1"/>
+          </p:cNvPicPr>
+          <p:nvPr/>
+        </p:nvPicPr>
+        <p:blipFill rotWithShape="1">
+          <a:blip r:embed="rId2">
+            <a:extLst>
+              <a:ext uri="{28A0092B-C50C-407E-A947-70E740481C1C}">
+                <a14:useLocalDpi xmlns:a14="http://schemas.microsoft.com/office/drawing/2010/main" val="0"/>
+              </a:ext>
+            </a:extLst>
+          </a:blip>
+          <a:srcRect l="15733" r="18331"/>
+          <a:stretch/>
+        </p:blipFill>
+        <p:spPr bwMode="auto">
+          <a:xfrm>
+            <a:off x="7123562" y="1027906"/>
+            <a:ext cx="4820653" cy="2822099"/>
+          </a:xfrm>
+          <a:prstGeom prst="rect">
+            <a:avLst/>
+          </a:prstGeom>
+          <a:noFill/>
+          <a:extLst>
+            <a:ext uri="{909E8E84-426E-40DD-AFC4-6F175D3DCCD1}">
+              <a14:hiddenFill xmlns:a14="http://schemas.microsoft.com/office/drawing/2010/main">
+                <a:solidFill>
+                  <a:srgbClr val="FFFFFF"/>
+                </a:solidFill>
+              </a14:hiddenFill>
+            </a:ext>
+          </a:extLst>
+        </p:spPr>
+      </p:pic>
+      <p:pic>
+        <p:nvPicPr>
+          <p:cNvPr id="1028" name="Picture 4" descr="PWM principle: When the analog input is higher than the triangle signal, the comparator output is high, and energy is submitted to the load."/>
+          <p:cNvPicPr>
+            <a:picLocks noChangeAspect="1" noChangeArrowheads="1"/>
+          </p:cNvPicPr>
+          <p:nvPr/>
+        </p:nvPicPr>
+        <p:blipFill>
+          <a:blip r:embed="rId3">
+            <a:extLst>
+              <a:ext uri="{28A0092B-C50C-407E-A947-70E740481C1C}">
+                <a14:useLocalDpi xmlns:a14="http://schemas.microsoft.com/office/drawing/2010/main" val="0"/>
+              </a:ext>
+            </a:extLst>
+          </a:blip>
+          <a:srcRect/>
+          <a:stretch>
+            <a:fillRect/>
+          </a:stretch>
+        </p:blipFill>
+        <p:spPr bwMode="auto">
+          <a:xfrm>
+            <a:off x="7123562" y="4852988"/>
+            <a:ext cx="4762500" cy="1323975"/>
+          </a:xfrm>
+          <a:prstGeom prst="rect">
+            <a:avLst/>
+          </a:prstGeom>
+          <a:noFill/>
+          <a:extLst>
+            <a:ext uri="{909E8E84-426E-40DD-AFC4-6F175D3DCCD1}">
+              <a14:hiddenFill xmlns:a14="http://schemas.microsoft.com/office/drawing/2010/main">
+                <a:solidFill>
+                  <a:srgbClr val="FFFFFF"/>
+                </a:solidFill>
+              </a14:hiddenFill>
+            </a:ext>
+          </a:extLst>
+        </p:spPr>
+      </p:pic>
     </p:spTree>
     <p:extLst>
       <p:ext uri="{BB962C8B-B14F-4D97-AF65-F5344CB8AC3E}">
-        <p14:creationId xmlns:p14="http://schemas.microsoft.com/office/powerpoint/2010/main" val="547648208"/>
+        <p14:creationId xmlns:p14="http://schemas.microsoft.com/office/powerpoint/2010/main" val="3421970456"/>
       </p:ext>
     </p:extLst>
   </p:cSld>

--- a/Talk 1 power conversion.pptx
+++ b/Talk 1 power conversion.pptx
@@ -3225,6 +3225,41 @@
         <p:txBody>
           <a:bodyPr/>
           <a:lstStyle/>
+          <a:p>
+            <a:r>
+              <a:rPr lang="en-US" dirty="0" smtClean="0"/>
+              <a:t>Microcontrollers are becoming more popular in designs</a:t>
+            </a:r>
+          </a:p>
+          <a:p>
+            <a:r>
+              <a:rPr lang="en-US" dirty="0" smtClean="0"/>
+              <a:t>Flexible alternative to the analog PWM and more basic digital PWM</a:t>
+            </a:r>
+          </a:p>
+          <a:p>
+            <a:pPr lvl="1"/>
+            <a:r>
+              <a:rPr lang="en-US" dirty="0" smtClean="0"/>
+              <a:t>Can be programmed to have many different features</a:t>
+            </a:r>
+          </a:p>
+          <a:p>
+            <a:pPr lvl="1"/>
+            <a:r>
+              <a:rPr lang="en-US" dirty="0" smtClean="0"/>
+              <a:t>One chip can be used for various applications</a:t>
+            </a:r>
+          </a:p>
+          <a:p>
+            <a:r>
+              <a:rPr lang="en-US" dirty="0" smtClean="0"/>
+              <a:t>More immune to environmental changes</a:t>
+            </a:r>
+          </a:p>
+          <a:p>
+            <a:endParaRPr lang="en-US" dirty="0" smtClean="0"/>
+          </a:p>
           <a:p>
             <a:endParaRPr lang="en-US" dirty="0"/>
           </a:p>
@@ -4654,16 +4689,13 @@
             </a:r>
           </a:p>
           <a:p>
-            <a:pPr lvl="1"/>
             <a:r>
               <a:rPr lang="en-US" dirty="0" smtClean="0"/>
-              <a:t>More immune to environmental changes</a:t>
-            </a:r>
-          </a:p>
-          <a:p>
+              <a:t>Challenges </a:t>
+            </a:r>
             <a:r>
               <a:rPr lang="en-US" dirty="0" smtClean="0"/>
-              <a:t>Challenges in digital control</a:t>
+              <a:t>in digital control</a:t>
             </a:r>
           </a:p>
           <a:p>
@@ -4968,8 +5000,8 @@
         </p:blipFill>
         <p:spPr bwMode="auto">
           <a:xfrm>
-            <a:off x="7123562" y="1027906"/>
-            <a:ext cx="4820653" cy="2822099"/>
+            <a:off x="7123562" y="927280"/>
+            <a:ext cx="4992542" cy="2922726"/>
           </a:xfrm>
           <a:prstGeom prst="rect">
             <a:avLst/>
